--- a/.lessons/4 Servers/3 LAMP & LNMP & LNAMP/1.pptx
+++ b/.lessons/4 Servers/3 LAMP & LNMP & LNAMP/1.pptx
@@ -4020,7 +4020,7 @@
         <p:spPr>
           <a:xfrm>
             <a:off x="203200" y="244826"/>
-            <a:ext cx="11822545" cy="3970318"/>
+            <a:ext cx="11822545" cy="4247317"/>
           </a:xfrm>
           <a:prstGeom prst="rect">
             <a:avLst/>
@@ -4037,6 +4037,9 @@
               <a:rPr lang="en-US" b="1"/>
               <a:t>Linux (L)</a:t>
             </a:r>
+          </a:p>
+          <a:p>
+            <a:endParaRPr lang="en-US" b="1"/>
           </a:p>
           <a:p>
             <a:r>
